--- a/Major Project PPT 1.0.pptx
+++ b/Major Project PPT 1.0.pptx
@@ -11,11 +11,12 @@
     <p:sldId id="281" r:id="rId5"/>
     <p:sldId id="279" r:id="rId6"/>
     <p:sldId id="273" r:id="rId7"/>
-    <p:sldId id="274" r:id="rId8"/>
-    <p:sldId id="277" r:id="rId9"/>
-    <p:sldId id="270" r:id="rId10"/>
-    <p:sldId id="280" r:id="rId11"/>
-    <p:sldId id="271" r:id="rId12"/>
+    <p:sldId id="282" r:id="rId8"/>
+    <p:sldId id="274" r:id="rId9"/>
+    <p:sldId id="277" r:id="rId10"/>
+    <p:sldId id="270" r:id="rId11"/>
+    <p:sldId id="280" r:id="rId12"/>
+    <p:sldId id="271" r:id="rId13"/>
   </p:sldIdLst>
   <p:sldSz cx="12192000" cy="6858000"/>
   <p:notesSz cx="6858000" cy="9144000"/>
@@ -131,6 +132,14 @@
     </p:ext>
   </p:extLst>
 </p:presentation>
+</file>
+
+<file path=ppt/revisionInfo.xml><?xml version="1.0" encoding="utf-8"?>
+<p1510:revInfo xmlns:a="http://schemas.openxmlformats.org/drawingml/2006/main" xmlns:r="http://schemas.openxmlformats.org/officeDocument/2006/relationships" xmlns:p1510="http://schemas.microsoft.com/office/powerpoint/2015/10/main">
+  <p1510:revLst>
+    <p1510:client id="{227E0A00-37D0-45C5-939D-F424081A67A9}" v="70" dt="2023-10-14T02:45:12.878"/>
+  </p1510:revLst>
+</p1510:revInfo>
 </file>
 
 <file path=ppt/slideLayouts/slideLayout1.xml><?xml version="1.0" encoding="utf-8"?>
@@ -12015,6 +12024,343 @@
       </p:grpSpPr>
       <p:sp>
         <p:nvSpPr>
+          <p:cNvPr id="2" name="TextBox 1">
+            <a:extLst>
+              <a:ext uri="{FF2B5EF4-FFF2-40B4-BE49-F238E27FC236}">
+                <a16:creationId xmlns:a16="http://schemas.microsoft.com/office/drawing/2014/main" id="{19AA8E23-33A7-457C-B47E-896EECEB3559}"/>
+              </a:ext>
+            </a:extLst>
+          </p:cNvPr>
+          <p:cNvSpPr txBox="1"/>
+          <p:nvPr/>
+        </p:nvSpPr>
+        <p:spPr>
+          <a:xfrm>
+            <a:off x="401216" y="510912"/>
+            <a:ext cx="10553655" cy="461665"/>
+          </a:xfrm>
+          <a:prstGeom prst="rect">
+            <a:avLst/>
+          </a:prstGeom>
+          <a:noFill/>
+        </p:spPr>
+        <p:txBody>
+          <a:bodyPr wrap="square" rtlCol="0">
+            <a:spAutoFit/>
+          </a:bodyPr>
+          <a:lstStyle/>
+          <a:p>
+            <a:pPr algn="ctr"/>
+            <a:r>
+              <a:rPr lang="en-IN" sz="2400" b="1" dirty="0">
+                <a:solidFill>
+                  <a:schemeClr val="bg1">
+                    <a:lumMod val="50000"/>
+                  </a:schemeClr>
+                </a:solidFill>
+                <a:latin typeface="Times New Roman" panose="02020603050405020304" pitchFamily="18" charset="0"/>
+                <a:cs typeface="Times New Roman" panose="02020603050405020304" pitchFamily="18" charset="0"/>
+              </a:rPr>
+              <a:t>REFERENCES</a:t>
+            </a:r>
+          </a:p>
+        </p:txBody>
+      </p:sp>
+      <p:sp>
+        <p:nvSpPr>
+          <p:cNvPr id="4" name="TextBox 3">
+            <a:extLst>
+              <a:ext uri="{FF2B5EF4-FFF2-40B4-BE49-F238E27FC236}">
+                <a16:creationId xmlns:a16="http://schemas.microsoft.com/office/drawing/2014/main" id="{872FFACA-373F-542C-C2A6-380EFDE94932}"/>
+              </a:ext>
+            </a:extLst>
+          </p:cNvPr>
+          <p:cNvSpPr txBox="1"/>
+          <p:nvPr/>
+        </p:nvSpPr>
+        <p:spPr>
+          <a:xfrm>
+            <a:off x="826169" y="1413320"/>
+            <a:ext cx="8452182" cy="4031360"/>
+          </a:xfrm>
+          <a:prstGeom prst="rect">
+            <a:avLst/>
+          </a:prstGeom>
+          <a:noFill/>
+        </p:spPr>
+        <p:txBody>
+          <a:bodyPr wrap="square">
+            <a:spAutoFit/>
+          </a:bodyPr>
+          <a:lstStyle/>
+          <a:p>
+            <a:pPr marL="342900" lvl="0" indent="-342900" algn="just">
+              <a:lnSpc>
+                <a:spcPct val="107000"/>
+              </a:lnSpc>
+              <a:buFont typeface="+mj-lt"/>
+              <a:buAutoNum type="romanUcParenBoth"/>
+            </a:pPr>
+            <a:r>
+              <a:rPr lang="en-IN" sz="1600" dirty="0" err="1">
+                <a:solidFill>
+                  <a:srgbClr val="000000"/>
+                </a:solidFill>
+                <a:effectLst/>
+                <a:latin typeface="Times New Roman" panose="02020603050405020304" pitchFamily="18" charset="0"/>
+                <a:ea typeface="Times New Roman" panose="02020603050405020304" pitchFamily="18" charset="0"/>
+                <a:cs typeface="Times New Roman" panose="02020603050405020304" pitchFamily="18" charset="0"/>
+              </a:rPr>
+              <a:t>Dhawaleshwar</a:t>
+            </a:r>
+            <a:r>
+              <a:rPr lang="en-IN" sz="1600" dirty="0">
+                <a:solidFill>
+                  <a:srgbClr val="000000"/>
+                </a:solidFill>
+                <a:effectLst/>
+                <a:latin typeface="Times New Roman" panose="02020603050405020304" pitchFamily="18" charset="0"/>
+                <a:ea typeface="Times New Roman" panose="02020603050405020304" pitchFamily="18" charset="0"/>
+                <a:cs typeface="Times New Roman" panose="02020603050405020304" pitchFamily="18" charset="0"/>
+              </a:rPr>
+              <a:t> Rao, CH Sujan Kumar Saha, “Automatic Multiple Choice Question Generation,” in IEEE Journal, IEEE TRANSACTIONS ON LEARNING TECHNOLOGIES, VOL. 13, NO. 1, JANUARY-MARCH 2020. </a:t>
+            </a:r>
+            <a:endParaRPr lang="en-IN" sz="1600" dirty="0">
+              <a:effectLst/>
+              <a:latin typeface="Calibri" panose="020F0502020204030204" pitchFamily="34" charset="0"/>
+              <a:ea typeface="Calibri" panose="020F0502020204030204" pitchFamily="34" charset="0"/>
+              <a:cs typeface="Times New Roman" panose="02020603050405020304" pitchFamily="18" charset="0"/>
+            </a:endParaRPr>
+          </a:p>
+          <a:p>
+            <a:pPr marL="342900" lvl="0" indent="-342900" algn="just">
+              <a:lnSpc>
+                <a:spcPct val="107000"/>
+              </a:lnSpc>
+              <a:buFont typeface="+mj-lt"/>
+              <a:buAutoNum type="romanUcParenBoth"/>
+            </a:pPr>
+            <a:r>
+              <a:rPr lang="en-IN" sz="1600" dirty="0">
+                <a:solidFill>
+                  <a:srgbClr val="000000"/>
+                </a:solidFill>
+                <a:effectLst/>
+                <a:latin typeface="Times New Roman" panose="02020603050405020304" pitchFamily="18" charset="0"/>
+                <a:ea typeface="Times New Roman" panose="02020603050405020304" pitchFamily="18" charset="0"/>
+                <a:cs typeface="Times New Roman" panose="02020603050405020304" pitchFamily="18" charset="0"/>
+              </a:rPr>
+              <a:t>Riken Shah, Disha Shah, “Automatic Question Generation for Intelligent Tutoring System,” in IEEE Journal, 2017 2nd International Conference on Communication Systems, Computing, and IT Applications (CSCITA). </a:t>
+            </a:r>
+            <a:endParaRPr lang="en-IN" sz="1600" dirty="0">
+              <a:effectLst/>
+              <a:latin typeface="Calibri" panose="020F0502020204030204" pitchFamily="34" charset="0"/>
+              <a:ea typeface="Calibri" panose="020F0502020204030204" pitchFamily="34" charset="0"/>
+              <a:cs typeface="Times New Roman" panose="02020603050405020304" pitchFamily="18" charset="0"/>
+            </a:endParaRPr>
+          </a:p>
+          <a:p>
+            <a:pPr marL="342900" lvl="0" indent="-342900" algn="just">
+              <a:lnSpc>
+                <a:spcPct val="107000"/>
+              </a:lnSpc>
+              <a:buFont typeface="+mj-lt"/>
+              <a:buAutoNum type="romanUcParenBoth"/>
+            </a:pPr>
+            <a:r>
+              <a:rPr lang="en-IN" sz="1600" dirty="0" err="1">
+                <a:solidFill>
+                  <a:srgbClr val="000000"/>
+                </a:solidFill>
+                <a:effectLst/>
+                <a:latin typeface="Times New Roman" panose="02020603050405020304" pitchFamily="18" charset="0"/>
+                <a:ea typeface="Times New Roman" panose="02020603050405020304" pitchFamily="18" charset="0"/>
+                <a:cs typeface="Times New Roman" panose="02020603050405020304" pitchFamily="18" charset="0"/>
+              </a:rPr>
+              <a:t>Mushale</a:t>
+            </a:r>
+            <a:r>
+              <a:rPr lang="en-IN" sz="1600" dirty="0">
+                <a:solidFill>
+                  <a:srgbClr val="000000"/>
+                </a:solidFill>
+                <a:effectLst/>
+                <a:latin typeface="Times New Roman" panose="02020603050405020304" pitchFamily="18" charset="0"/>
+                <a:ea typeface="Times New Roman" panose="02020603050405020304" pitchFamily="18" charset="0"/>
+                <a:cs typeface="Times New Roman" panose="02020603050405020304" pitchFamily="18" charset="0"/>
+              </a:rPr>
+              <a:t> Ashish, </a:t>
+            </a:r>
+            <a:r>
+              <a:rPr lang="en-IN" sz="1600" dirty="0" err="1">
+                <a:solidFill>
+                  <a:srgbClr val="000000"/>
+                </a:solidFill>
+                <a:effectLst/>
+                <a:latin typeface="Times New Roman" panose="02020603050405020304" pitchFamily="18" charset="0"/>
+                <a:ea typeface="Times New Roman" panose="02020603050405020304" pitchFamily="18" charset="0"/>
+                <a:cs typeface="Times New Roman" panose="02020603050405020304" pitchFamily="18" charset="0"/>
+              </a:rPr>
+              <a:t>Shafali</a:t>
+            </a:r>
+            <a:r>
+              <a:rPr lang="en-IN" sz="1600" dirty="0">
+                <a:solidFill>
+                  <a:srgbClr val="000000"/>
+                </a:solidFill>
+                <a:effectLst/>
+                <a:latin typeface="Times New Roman" panose="02020603050405020304" pitchFamily="18" charset="0"/>
+                <a:ea typeface="Times New Roman" panose="02020603050405020304" pitchFamily="18" charset="0"/>
+                <a:cs typeface="Times New Roman" panose="02020603050405020304" pitchFamily="18" charset="0"/>
+              </a:rPr>
+              <a:t> Gupta, “An automatic generator of multiple-choice question with random answer key,” JETIR June 2020, Volume 7, Issue 6. </a:t>
+            </a:r>
+            <a:endParaRPr lang="en-IN" sz="1600" dirty="0">
+              <a:effectLst/>
+              <a:latin typeface="Calibri" panose="020F0502020204030204" pitchFamily="34" charset="0"/>
+              <a:ea typeface="Calibri" panose="020F0502020204030204" pitchFamily="34" charset="0"/>
+              <a:cs typeface="Times New Roman" panose="02020603050405020304" pitchFamily="18" charset="0"/>
+            </a:endParaRPr>
+          </a:p>
+          <a:p>
+            <a:pPr marL="342900" lvl="0" indent="-342900" algn="just">
+              <a:lnSpc>
+                <a:spcPct val="107000"/>
+              </a:lnSpc>
+              <a:buFont typeface="+mj-lt"/>
+              <a:buAutoNum type="romanUcParenBoth"/>
+            </a:pPr>
+            <a:r>
+              <a:rPr lang="en-IN" sz="1600" dirty="0">
+                <a:solidFill>
+                  <a:srgbClr val="000000"/>
+                </a:solidFill>
+                <a:effectLst/>
+                <a:latin typeface="Times New Roman" panose="02020603050405020304" pitchFamily="18" charset="0"/>
+                <a:ea typeface="Times New Roman" panose="02020603050405020304" pitchFamily="18" charset="0"/>
+                <a:cs typeface="Times New Roman" panose="02020603050405020304" pitchFamily="18" charset="0"/>
+              </a:rPr>
+              <a:t>M. Agarwal and P. </a:t>
+            </a:r>
+            <a:r>
+              <a:rPr lang="en-IN" sz="1600" dirty="0" err="1">
+                <a:solidFill>
+                  <a:srgbClr val="000000"/>
+                </a:solidFill>
+                <a:effectLst/>
+                <a:latin typeface="Times New Roman" panose="02020603050405020304" pitchFamily="18" charset="0"/>
+                <a:ea typeface="Times New Roman" panose="02020603050405020304" pitchFamily="18" charset="0"/>
+                <a:cs typeface="Times New Roman" panose="02020603050405020304" pitchFamily="18" charset="0"/>
+              </a:rPr>
+              <a:t>Mannem</a:t>
+            </a:r>
+            <a:r>
+              <a:rPr lang="en-IN" sz="1600" dirty="0">
+                <a:solidFill>
+                  <a:srgbClr val="000000"/>
+                </a:solidFill>
+                <a:effectLst/>
+                <a:latin typeface="Times New Roman" panose="02020603050405020304" pitchFamily="18" charset="0"/>
+                <a:ea typeface="Times New Roman" panose="02020603050405020304" pitchFamily="18" charset="0"/>
+                <a:cs typeface="Times New Roman" panose="02020603050405020304" pitchFamily="18" charset="0"/>
+              </a:rPr>
+              <a:t>, “Automatic gap-fill question generation from textbooks,” in Proceedings of the 6th Workshop on Innovative Use of NLP for Building Educational Applications, ser. IUNLPBEA ’11. Stroudsburg, PA, USA: Association for Computational Linguistics, 2011. </a:t>
+            </a:r>
+            <a:endParaRPr lang="en-IN" sz="1600" dirty="0">
+              <a:effectLst/>
+              <a:latin typeface="Calibri" panose="020F0502020204030204" pitchFamily="34" charset="0"/>
+              <a:ea typeface="Calibri" panose="020F0502020204030204" pitchFamily="34" charset="0"/>
+              <a:cs typeface="Times New Roman" panose="02020603050405020304" pitchFamily="18" charset="0"/>
+            </a:endParaRPr>
+          </a:p>
+          <a:p>
+            <a:pPr marL="342900" lvl="0" indent="-342900" algn="just">
+              <a:lnSpc>
+                <a:spcPct val="107000"/>
+              </a:lnSpc>
+              <a:spcAft>
+                <a:spcPts val="800"/>
+              </a:spcAft>
+              <a:buFont typeface="+mj-lt"/>
+              <a:buAutoNum type="romanUcParenBoth"/>
+            </a:pPr>
+            <a:r>
+              <a:rPr lang="en-IN" sz="1600" dirty="0">
+                <a:solidFill>
+                  <a:srgbClr val="000000"/>
+                </a:solidFill>
+                <a:effectLst/>
+                <a:latin typeface="Times New Roman" panose="02020603050405020304" pitchFamily="18" charset="0"/>
+                <a:ea typeface="Times New Roman" panose="02020603050405020304" pitchFamily="18" charset="0"/>
+                <a:cs typeface="Times New Roman" panose="02020603050405020304" pitchFamily="18" charset="0"/>
+              </a:rPr>
+              <a:t>Afzal, N. and </a:t>
+            </a:r>
+            <a:r>
+              <a:rPr lang="en-IN" sz="1600" dirty="0" err="1">
+                <a:solidFill>
+                  <a:srgbClr val="000000"/>
+                </a:solidFill>
+                <a:effectLst/>
+                <a:latin typeface="Times New Roman" panose="02020603050405020304" pitchFamily="18" charset="0"/>
+                <a:ea typeface="Times New Roman" panose="02020603050405020304" pitchFamily="18" charset="0"/>
+                <a:cs typeface="Times New Roman" panose="02020603050405020304" pitchFamily="18" charset="0"/>
+              </a:rPr>
+              <a:t>Mitkov</a:t>
+            </a:r>
+            <a:r>
+              <a:rPr lang="en-IN" sz="1600" dirty="0">
+                <a:solidFill>
+                  <a:srgbClr val="000000"/>
+                </a:solidFill>
+                <a:effectLst/>
+                <a:latin typeface="Times New Roman" panose="02020603050405020304" pitchFamily="18" charset="0"/>
+                <a:ea typeface="Times New Roman" panose="02020603050405020304" pitchFamily="18" charset="0"/>
+                <a:cs typeface="Times New Roman" panose="02020603050405020304" pitchFamily="18" charset="0"/>
+              </a:rPr>
+              <a:t>, R. (2014) ‘Automatic generation of multiple-choice questions using dependency-based semantic relations’, Soft Computing - A Fusion of Foundations, Methodologies and Applications. </a:t>
+            </a:r>
+            <a:endParaRPr lang="en-IN" sz="1600" dirty="0">
+              <a:effectLst/>
+              <a:latin typeface="Calibri" panose="020F0502020204030204" pitchFamily="34" charset="0"/>
+              <a:ea typeface="Calibri" panose="020F0502020204030204" pitchFamily="34" charset="0"/>
+              <a:cs typeface="Times New Roman" panose="02020603050405020304" pitchFamily="18" charset="0"/>
+            </a:endParaRPr>
+          </a:p>
+        </p:txBody>
+      </p:sp>
+    </p:spTree>
+    <p:extLst>
+      <p:ext uri="{BB962C8B-B14F-4D97-AF65-F5344CB8AC3E}">
+        <p14:creationId xmlns:p14="http://schemas.microsoft.com/office/powerpoint/2010/main" val="1973558531"/>
+      </p:ext>
+    </p:extLst>
+  </p:cSld>
+  <p:clrMapOvr>
+    <a:masterClrMapping/>
+  </p:clrMapOvr>
+</p:sld>
+</file>
+
+<file path=ppt/slides/slide11.xml><?xml version="1.0" encoding="utf-8"?>
+<p:sld xmlns:a="http://schemas.openxmlformats.org/drawingml/2006/main" xmlns:r="http://schemas.openxmlformats.org/officeDocument/2006/relationships" xmlns:p="http://schemas.openxmlformats.org/presentationml/2006/main">
+  <p:cSld>
+    <p:spTree>
+      <p:nvGrpSpPr>
+        <p:cNvPr id="1" name=""/>
+        <p:cNvGrpSpPr/>
+        <p:nvPr/>
+      </p:nvGrpSpPr>
+      <p:grpSpPr>
+        <a:xfrm>
+          <a:off x="0" y="0"/>
+          <a:ext cx="0" cy="0"/>
+          <a:chOff x="0" y="0"/>
+          <a:chExt cx="0" cy="0"/>
+        </a:xfrm>
+      </p:grpSpPr>
+      <p:sp>
+        <p:nvSpPr>
           <p:cNvPr id="3" name="Content Placeholder 2">
             <a:extLst>
               <a:ext uri="{FF2B5EF4-FFF2-40B4-BE49-F238E27FC236}">
@@ -12875,6 +13221,159 @@
           </a:p>
         </p:txBody>
       </p:sp>
+      <p:sp>
+        <p:nvSpPr>
+          <p:cNvPr id="3" name="TextBox 2">
+            <a:extLst>
+              <a:ext uri="{FF2B5EF4-FFF2-40B4-BE49-F238E27FC236}">
+                <a16:creationId xmlns:a16="http://schemas.microsoft.com/office/drawing/2014/main" id="{19B88490-329E-D97A-C1C0-E48D830C4AC1}"/>
+              </a:ext>
+            </a:extLst>
+          </p:cNvPr>
+          <p:cNvSpPr txBox="1"/>
+          <p:nvPr/>
+        </p:nvSpPr>
+        <p:spPr>
+          <a:xfrm>
+            <a:off x="1301182" y="1301182"/>
+            <a:ext cx="8742487" cy="4801314"/>
+          </a:xfrm>
+          <a:prstGeom prst="rect">
+            <a:avLst/>
+          </a:prstGeom>
+          <a:noFill/>
+        </p:spPr>
+        <p:txBody>
+          <a:bodyPr rot="0" spcFirstLastPara="0" vertOverflow="overflow" horzOverflow="overflow" vert="horz" wrap="square" lIns="91440" tIns="45720" rIns="91440" bIns="45720" numCol="1" spcCol="0" rtlCol="0" fromWordArt="0" anchor="t" anchorCtr="0" forceAA="0" compatLnSpc="1">
+            <a:prstTxWarp prst="textNoShape">
+              <a:avLst/>
+            </a:prstTxWarp>
+            <a:spAutoFit/>
+          </a:bodyPr>
+          <a:lstStyle/>
+          <a:p>
+            <a:r>
+              <a:rPr lang="en-GB" b="1" dirty="0">
+                <a:solidFill>
+                  <a:srgbClr val="000000"/>
+                </a:solidFill>
+                <a:ea typeface="+mn-lt"/>
+                <a:cs typeface="+mn-lt"/>
+              </a:rPr>
+              <a:t>Introduction and Problem Statement</a:t>
+            </a:r>
+            <a:endParaRPr lang="en-US" b="1" dirty="0"/>
+          </a:p>
+          <a:p>
+            <a:endParaRPr lang="en-GB" dirty="0">
+              <a:solidFill>
+                <a:srgbClr val="000000"/>
+              </a:solidFill>
+              <a:ea typeface="+mn-lt"/>
+              <a:cs typeface="+mn-lt"/>
+            </a:endParaRPr>
+          </a:p>
+          <a:p>
+            <a:pPr marL="285750" indent="-285750">
+              <a:buFont typeface="Arial"/>
+              <a:buChar char="•"/>
+            </a:pPr>
+            <a:r>
+              <a:rPr lang="en-GB" dirty="0">
+                <a:solidFill>
+                  <a:srgbClr val="000000"/>
+                </a:solidFill>
+                <a:ea typeface="+mn-lt"/>
+                <a:cs typeface="+mn-lt"/>
+              </a:rPr>
+              <a:t>The project presents a system for generating multiple-choice questions (MCQs) from text using natural language processing (NLP) techniques.</a:t>
+            </a:r>
+            <a:endParaRPr lang="en-GB"/>
+          </a:p>
+          <a:p>
+            <a:endParaRPr lang="en-GB" dirty="0">
+              <a:solidFill>
+                <a:srgbClr val="000000"/>
+              </a:solidFill>
+              <a:ea typeface="+mn-lt"/>
+              <a:cs typeface="+mn-lt"/>
+            </a:endParaRPr>
+          </a:p>
+          <a:p>
+            <a:pPr marL="285750" indent="-285750">
+              <a:buFont typeface="Arial"/>
+              <a:buChar char="•"/>
+            </a:pPr>
+            <a:r>
+              <a:rPr lang="en-GB" dirty="0">
+                <a:solidFill>
+                  <a:srgbClr val="000000"/>
+                </a:solidFill>
+                <a:ea typeface="+mn-lt"/>
+                <a:cs typeface="+mn-lt"/>
+              </a:rPr>
+              <a:t>Automatic question generation (AQG) is the task of generating questions from various sources of information, such as text, images, videos, or conversations. AQG has many applications in education, assessment, and dialogue systems.</a:t>
+            </a:r>
+            <a:endParaRPr lang="en-GB" dirty="0"/>
+          </a:p>
+          <a:p>
+            <a:endParaRPr lang="en-GB" dirty="0">
+              <a:solidFill>
+                <a:srgbClr val="000000"/>
+              </a:solidFill>
+              <a:ea typeface="+mn-lt"/>
+              <a:cs typeface="+mn-lt"/>
+            </a:endParaRPr>
+          </a:p>
+          <a:p>
+            <a:pPr marL="285750" indent="-285750">
+              <a:buFont typeface="Arial"/>
+              <a:buChar char="•"/>
+            </a:pPr>
+            <a:r>
+              <a:rPr lang="en-GB" dirty="0">
+                <a:solidFill>
+                  <a:srgbClr val="000000"/>
+                </a:solidFill>
+                <a:ea typeface="+mn-lt"/>
+                <a:cs typeface="+mn-lt"/>
+              </a:rPr>
+              <a:t>AQG from text is the most common and widely studied scenario. It involves generating questions that are relevant, diverse, and grammatically correct from a given text input.</a:t>
+            </a:r>
+            <a:endParaRPr lang="en-GB" dirty="0"/>
+          </a:p>
+          <a:p>
+            <a:endParaRPr lang="en-GB" dirty="0">
+              <a:solidFill>
+                <a:srgbClr val="000000"/>
+              </a:solidFill>
+              <a:ea typeface="+mn-lt"/>
+              <a:cs typeface="+mn-lt"/>
+            </a:endParaRPr>
+          </a:p>
+          <a:p>
+            <a:pPr marL="285750" indent="-285750">
+              <a:buFont typeface="Arial"/>
+              <a:buChar char="•"/>
+            </a:pPr>
+            <a:r>
+              <a:rPr lang="en-GB" dirty="0">
+                <a:solidFill>
+                  <a:srgbClr val="000000"/>
+                </a:solidFill>
+                <a:ea typeface="+mn-lt"/>
+                <a:cs typeface="+mn-lt"/>
+              </a:rPr>
+              <a:t>The system aims to reduce human effort and improve the quality of MCQs by using NLP methods such as named entity recognition (NER), word embeddings, and homomorphic encryption.</a:t>
+            </a:r>
+            <a:endParaRPr lang="en-GB" dirty="0"/>
+          </a:p>
+          <a:p>
+            <a:pPr algn="l"/>
+            <a:endParaRPr lang="en-GB" dirty="0"/>
+          </a:p>
+        </p:txBody>
+      </p:sp>
     </p:spTree>
     <p:extLst>
       <p:ext uri="{BB962C8B-B14F-4D97-AF65-F5344CB8AC3E}">
@@ -12889,6 +13388,207 @@
 </file>
 
 <file path=ppt/slides/slide6.xml><?xml version="1.0" encoding="utf-8"?>
+<p:sld xmlns:a="http://schemas.openxmlformats.org/drawingml/2006/main" xmlns:r="http://schemas.openxmlformats.org/officeDocument/2006/relationships" xmlns:p="http://schemas.openxmlformats.org/presentationml/2006/main">
+  <p:cSld>
+    <p:spTree>
+      <p:nvGrpSpPr>
+        <p:cNvPr id="1" name=""/>
+        <p:cNvGrpSpPr/>
+        <p:nvPr/>
+      </p:nvGrpSpPr>
+      <p:grpSpPr>
+        <a:xfrm>
+          <a:off x="0" y="0"/>
+          <a:ext cx="0" cy="0"/>
+          <a:chOff x="0" y="0"/>
+          <a:chExt cx="0" cy="0"/>
+        </a:xfrm>
+      </p:grpSpPr>
+      <p:sp>
+        <p:nvSpPr>
+          <p:cNvPr id="3" name="Content Placeholder 2">
+            <a:extLst>
+              <a:ext uri="{FF2B5EF4-FFF2-40B4-BE49-F238E27FC236}">
+                <a16:creationId xmlns:a16="http://schemas.microsoft.com/office/drawing/2014/main" id="{44057800-33A7-971F-164C-6580E17DE421}"/>
+              </a:ext>
+            </a:extLst>
+          </p:cNvPr>
+          <p:cNvSpPr>
+            <a:spLocks noGrp="1"/>
+          </p:cNvSpPr>
+          <p:nvPr>
+            <p:ph idx="1"/>
+          </p:nvPr>
+        </p:nvSpPr>
+        <p:spPr>
+          <a:xfrm>
+            <a:off x="686299" y="1488236"/>
+            <a:ext cx="8596668" cy="3880773"/>
+          </a:xfrm>
+        </p:spPr>
+        <p:txBody>
+          <a:bodyPr vert="horz" lIns="91440" tIns="45720" rIns="91440" bIns="45720" rtlCol="0" anchor="t">
+            <a:noAutofit/>
+          </a:bodyPr>
+          <a:lstStyle/>
+          <a:p>
+            <a:pPr marL="0" indent="0">
+              <a:buNone/>
+            </a:pPr>
+            <a:r>
+              <a:rPr lang="en-GB" b="1" dirty="0">
+                <a:solidFill>
+                  <a:srgbClr val="404040"/>
+                </a:solidFill>
+                <a:ea typeface="+mn-lt"/>
+                <a:cs typeface="+mn-lt"/>
+              </a:rPr>
+              <a:t>Methodology and Features</a:t>
+            </a:r>
+            <a:endParaRPr lang="en-GB" b="1" dirty="0">
+              <a:solidFill>
+                <a:srgbClr val="404040"/>
+              </a:solidFill>
+            </a:endParaRPr>
+          </a:p>
+          <a:p>
+            <a:r>
+              <a:rPr lang="en-GB">
+                <a:solidFill>
+                  <a:srgbClr val="404040"/>
+                </a:solidFill>
+                <a:ea typeface="+mn-lt"/>
+                <a:cs typeface="+mn-lt"/>
+              </a:rPr>
+              <a:t>The system takes a PDF file or a text input as the source of information and performs text pre-processing to remove non-alphanumeric characters.</a:t>
+            </a:r>
+            <a:endParaRPr lang="en-GB"/>
+          </a:p>
+          <a:p>
+            <a:r>
+              <a:rPr lang="en-GB">
+                <a:solidFill>
+                  <a:srgbClr val="404040"/>
+                </a:solidFill>
+                <a:ea typeface="+mn-lt"/>
+                <a:cs typeface="+mn-lt"/>
+              </a:rPr>
+              <a:t>The system uses </a:t>
+            </a:r>
+            <a:r>
+              <a:rPr lang="en-GB" err="1">
+                <a:solidFill>
+                  <a:srgbClr val="404040"/>
+                </a:solidFill>
+                <a:ea typeface="+mn-lt"/>
+                <a:cs typeface="+mn-lt"/>
+              </a:rPr>
+              <a:t>spaCy’s</a:t>
+            </a:r>
+            <a:r>
+              <a:rPr lang="en-GB">
+                <a:solidFill>
+                  <a:srgbClr val="404040"/>
+                </a:solidFill>
+                <a:ea typeface="+mn-lt"/>
+                <a:cs typeface="+mn-lt"/>
+              </a:rPr>
+              <a:t> NER model to identify and rank named entities in the text, which are used as potential answers or keys for the MCQs</a:t>
+            </a:r>
+            <a:r>
+              <a:rPr lang="en-GB">
+                <a:ea typeface="+mn-lt"/>
+                <a:cs typeface="+mn-lt"/>
+              </a:rPr>
+              <a:t>1</a:t>
+            </a:r>
+            <a:r>
+              <a:rPr lang="en-GB">
+                <a:solidFill>
+                  <a:srgbClr val="404040"/>
+                </a:solidFill>
+                <a:ea typeface="+mn-lt"/>
+                <a:cs typeface="+mn-lt"/>
+              </a:rPr>
+              <a:t>.</a:t>
+            </a:r>
+            <a:endParaRPr lang="en-GB"/>
+          </a:p>
+          <a:p>
+            <a:r>
+              <a:rPr lang="en-GB">
+                <a:solidFill>
+                  <a:srgbClr val="404040"/>
+                </a:solidFill>
+                <a:ea typeface="+mn-lt"/>
+                <a:cs typeface="+mn-lt"/>
+              </a:rPr>
+              <a:t>The system uses a Word2Vec model to generate incorrect options or distractors for the MCQs by finding similar but less relevant entities for each key.</a:t>
+            </a:r>
+            <a:endParaRPr lang="en-GB"/>
+          </a:p>
+          <a:p>
+            <a:r>
+              <a:rPr lang="en-GB">
+                <a:solidFill>
+                  <a:srgbClr val="404040"/>
+                </a:solidFill>
+                <a:ea typeface="+mn-lt"/>
+                <a:cs typeface="+mn-lt"/>
+              </a:rPr>
+              <a:t>The system uses homomorphic encryption to encrypt the MCQs and prevent cheating or unfair means by the users.</a:t>
+            </a:r>
+            <a:endParaRPr lang="en-GB"/>
+          </a:p>
+          <a:p>
+            <a:r>
+              <a:rPr lang="en-GB">
+                <a:solidFill>
+                  <a:srgbClr val="404040"/>
+                </a:solidFill>
+                <a:ea typeface="+mn-lt"/>
+                <a:cs typeface="+mn-lt"/>
+              </a:rPr>
+              <a:t>The system provides a smart quiz generation portal that can be used for self-assessment, question paper generation, and evaluation</a:t>
+            </a:r>
+            <a:r>
+              <a:rPr lang="en-GB">
+                <a:ea typeface="+mn-lt"/>
+                <a:cs typeface="+mn-lt"/>
+              </a:rPr>
+              <a:t>2</a:t>
+            </a:r>
+            <a:r>
+              <a:rPr lang="en-GB">
+                <a:solidFill>
+                  <a:srgbClr val="404040"/>
+                </a:solidFill>
+                <a:ea typeface="+mn-lt"/>
+                <a:cs typeface="+mn-lt"/>
+              </a:rPr>
+              <a:t>.</a:t>
+            </a:r>
+            <a:endParaRPr lang="en-GB"/>
+          </a:p>
+          <a:p>
+            <a:endParaRPr lang="en-GB" dirty="0"/>
+          </a:p>
+        </p:txBody>
+      </p:sp>
+    </p:spTree>
+    <p:extLst>
+      <p:ext uri="{BB962C8B-B14F-4D97-AF65-F5344CB8AC3E}">
+        <p14:creationId xmlns:p14="http://schemas.microsoft.com/office/powerpoint/2010/main" val="3003231533"/>
+      </p:ext>
+    </p:extLst>
+  </p:cSld>
+  <p:clrMapOvr>
+    <a:masterClrMapping/>
+  </p:clrMapOvr>
+</p:sld>
+</file>
+
+<file path=ppt/slides/slide7.xml><?xml version="1.0" encoding="utf-8"?>
 <p:sld xmlns:a="http://schemas.openxmlformats.org/drawingml/2006/main" xmlns:r="http://schemas.openxmlformats.org/officeDocument/2006/relationships" xmlns:p="http://schemas.openxmlformats.org/presentationml/2006/main">
   <p:cSld>
     <p:spTree>
@@ -13273,7 +13973,7 @@
 </p:sld>
 </file>
 
-<file path=ppt/slides/slide7.xml><?xml version="1.0" encoding="utf-8"?>
+<file path=ppt/slides/slide8.xml><?xml version="1.0" encoding="utf-8"?>
 <p:sld xmlns:a="http://schemas.openxmlformats.org/drawingml/2006/main" xmlns:r="http://schemas.openxmlformats.org/officeDocument/2006/relationships" xmlns:p="http://schemas.openxmlformats.org/presentationml/2006/main">
   <p:cSld>
     <p:spTree>
@@ -13383,119 +14083,6 @@
 </p:sld>
 </file>
 
-<file path=ppt/slides/slide8.xml><?xml version="1.0" encoding="utf-8"?>
-<p:sld xmlns:a="http://schemas.openxmlformats.org/drawingml/2006/main" xmlns:r="http://schemas.openxmlformats.org/officeDocument/2006/relationships" xmlns:p="http://schemas.openxmlformats.org/presentationml/2006/main">
-  <p:cSld>
-    <p:spTree>
-      <p:nvGrpSpPr>
-        <p:cNvPr id="1" name=""/>
-        <p:cNvGrpSpPr/>
-        <p:nvPr/>
-      </p:nvGrpSpPr>
-      <p:grpSpPr>
-        <a:xfrm>
-          <a:off x="0" y="0"/>
-          <a:ext cx="0" cy="0"/>
-          <a:chOff x="0" y="0"/>
-          <a:chExt cx="0" cy="0"/>
-        </a:xfrm>
-      </p:grpSpPr>
-      <p:sp>
-        <p:nvSpPr>
-          <p:cNvPr id="2" name="TextBox 1">
-            <a:extLst>
-              <a:ext uri="{FF2B5EF4-FFF2-40B4-BE49-F238E27FC236}">
-                <a16:creationId xmlns:a16="http://schemas.microsoft.com/office/drawing/2014/main" id="{19AA8E23-33A7-457C-B47E-896EECEB3559}"/>
-              </a:ext>
-            </a:extLst>
-          </p:cNvPr>
-          <p:cNvSpPr txBox="1"/>
-          <p:nvPr/>
-        </p:nvSpPr>
-        <p:spPr>
-          <a:xfrm>
-            <a:off x="401216" y="510912"/>
-            <a:ext cx="10033702" cy="461665"/>
-          </a:xfrm>
-          <a:prstGeom prst="rect">
-            <a:avLst/>
-          </a:prstGeom>
-          <a:noFill/>
-        </p:spPr>
-        <p:txBody>
-          <a:bodyPr wrap="square" rtlCol="0">
-            <a:spAutoFit/>
-          </a:bodyPr>
-          <a:lstStyle/>
-          <a:p>
-            <a:pPr algn="ctr"/>
-            <a:r>
-              <a:rPr lang="en-IN" sz="2400" b="1" dirty="0">
-                <a:solidFill>
-                  <a:schemeClr val="bg1">
-                    <a:lumMod val="50000"/>
-                  </a:schemeClr>
-                </a:solidFill>
-                <a:latin typeface="Times New Roman" panose="02020603050405020304" pitchFamily="18" charset="0"/>
-                <a:cs typeface="Times New Roman" panose="02020603050405020304" pitchFamily="18" charset="0"/>
-              </a:rPr>
-              <a:t>CONCLUSION</a:t>
-            </a:r>
-          </a:p>
-        </p:txBody>
-      </p:sp>
-      <p:sp>
-        <p:nvSpPr>
-          <p:cNvPr id="4" name="TextBox 3">
-            <a:extLst>
-              <a:ext uri="{FF2B5EF4-FFF2-40B4-BE49-F238E27FC236}">
-                <a16:creationId xmlns:a16="http://schemas.microsoft.com/office/drawing/2014/main" id="{D2A64BF2-BC0D-0DB0-EB0C-DAE44DD1BB6A}"/>
-              </a:ext>
-            </a:extLst>
-          </p:cNvPr>
-          <p:cNvSpPr txBox="1"/>
-          <p:nvPr/>
-        </p:nvSpPr>
-        <p:spPr>
-          <a:xfrm>
-            <a:off x="1782678" y="1599200"/>
-            <a:ext cx="7144753" cy="1754326"/>
-          </a:xfrm>
-          <a:prstGeom prst="rect">
-            <a:avLst/>
-          </a:prstGeom>
-          <a:noFill/>
-        </p:spPr>
-        <p:txBody>
-          <a:bodyPr wrap="square">
-            <a:spAutoFit/>
-          </a:bodyPr>
-          <a:lstStyle/>
-          <a:p>
-            <a:r>
-              <a:rPr lang="en-US" b="0" i="0" dirty="0">
-                <a:effectLst/>
-                <a:latin typeface="Söhne"/>
-              </a:rPr>
-              <a:t>This paper critically examines automatic MCQ generation from text. It outlines a six-phase workflow: preprocessing, sentence selection, key identification, question formulation, distractor creation, and postprocessing. Various strategies for each phase are discussed, alongside a comparative analysis of different methods. Evaluation techniques for generated MCQs are also highlighted.</a:t>
-            </a:r>
-            <a:endParaRPr lang="en-IN" dirty="0"/>
-          </a:p>
-        </p:txBody>
-      </p:sp>
-    </p:spTree>
-    <p:extLst>
-      <p:ext uri="{BB962C8B-B14F-4D97-AF65-F5344CB8AC3E}">
-        <p14:creationId xmlns:p14="http://schemas.microsoft.com/office/powerpoint/2010/main" val="2097062455"/>
-      </p:ext>
-    </p:extLst>
-  </p:cSld>
-  <p:clrMapOvr>
-    <a:masterClrMapping/>
-  </p:clrMapOvr>
-</p:sld>
-</file>
-
 <file path=ppt/slides/slide9.xml><?xml version="1.0" encoding="utf-8"?>
 <p:sld xmlns:a="http://schemas.openxmlformats.org/drawingml/2006/main" xmlns:r="http://schemas.openxmlformats.org/officeDocument/2006/relationships" xmlns:p="http://schemas.openxmlformats.org/presentationml/2006/main">
   <p:cSld>
@@ -13528,7 +14115,7 @@
         <p:spPr>
           <a:xfrm>
             <a:off x="401216" y="510912"/>
-            <a:ext cx="10553655" cy="461665"/>
+            <a:ext cx="10033702" cy="461665"/>
           </a:xfrm>
           <a:prstGeom prst="rect">
             <a:avLst/>
@@ -13552,7 +14139,7 @@
                 <a:latin typeface="Times New Roman" panose="02020603050405020304" pitchFamily="18" charset="0"/>
                 <a:cs typeface="Times New Roman" panose="02020603050405020304" pitchFamily="18" charset="0"/>
               </a:rPr>
-              <a:t>REFERENCES</a:t>
+              <a:t>CONCLUSION</a:t>
             </a:r>
           </a:p>
         </p:txBody>
@@ -13562,7 +14149,7 @@
           <p:cNvPr id="4" name="TextBox 3">
             <a:extLst>
               <a:ext uri="{FF2B5EF4-FFF2-40B4-BE49-F238E27FC236}">
-                <a16:creationId xmlns:a16="http://schemas.microsoft.com/office/drawing/2014/main" id="{872FFACA-373F-542C-C2A6-380EFDE94932}"/>
+                <a16:creationId xmlns:a16="http://schemas.microsoft.com/office/drawing/2014/main" id="{D2A64BF2-BC0D-0DB0-EB0C-DAE44DD1BB6A}"/>
               </a:ext>
             </a:extLst>
           </p:cNvPr>
@@ -13571,8 +14158,8 @@
         </p:nvSpPr>
         <p:spPr>
           <a:xfrm>
-            <a:off x="826169" y="1413320"/>
-            <a:ext cx="8452182" cy="4031360"/>
+            <a:off x="1782678" y="1599200"/>
+            <a:ext cx="7144753" cy="1754326"/>
           </a:xfrm>
           <a:prstGeom prst="rect">
             <a:avLst/>
@@ -13585,245 +14172,21 @@
           </a:bodyPr>
           <a:lstStyle/>
           <a:p>
-            <a:pPr marL="342900" lvl="0" indent="-342900" algn="just">
-              <a:lnSpc>
-                <a:spcPct val="107000"/>
-              </a:lnSpc>
-              <a:buFont typeface="+mj-lt"/>
-              <a:buAutoNum type="romanUcParenBoth"/>
-            </a:pPr>
-            <a:r>
-              <a:rPr lang="en-IN" sz="1600" dirty="0" err="1">
-                <a:solidFill>
-                  <a:srgbClr val="000000"/>
-                </a:solidFill>
+            <a:r>
+              <a:rPr lang="en-US" b="0" i="0" dirty="0">
                 <a:effectLst/>
-                <a:latin typeface="Times New Roman" panose="02020603050405020304" pitchFamily="18" charset="0"/>
-                <a:ea typeface="Times New Roman" panose="02020603050405020304" pitchFamily="18" charset="0"/>
-                <a:cs typeface="Times New Roman" panose="02020603050405020304" pitchFamily="18" charset="0"/>
+                <a:latin typeface="Söhne"/>
               </a:rPr>
-              <a:t>Dhawaleshwar</a:t>
-            </a:r>
-            <a:r>
-              <a:rPr lang="en-IN" sz="1600" dirty="0">
-                <a:solidFill>
-                  <a:srgbClr val="000000"/>
-                </a:solidFill>
-                <a:effectLst/>
-                <a:latin typeface="Times New Roman" panose="02020603050405020304" pitchFamily="18" charset="0"/>
-                <a:ea typeface="Times New Roman" panose="02020603050405020304" pitchFamily="18" charset="0"/>
-                <a:cs typeface="Times New Roman" panose="02020603050405020304" pitchFamily="18" charset="0"/>
-              </a:rPr>
-              <a:t> Rao, CH Sujan Kumar Saha, “Automatic Multiple Choice Question Generation,” in IEEE Journal, IEEE TRANSACTIONS ON LEARNING TECHNOLOGIES, VOL. 13, NO. 1, JANUARY-MARCH 2020. </a:t>
-            </a:r>
-            <a:endParaRPr lang="en-IN" sz="1600" dirty="0">
-              <a:effectLst/>
-              <a:latin typeface="Calibri" panose="020F0502020204030204" pitchFamily="34" charset="0"/>
-              <a:ea typeface="Calibri" panose="020F0502020204030204" pitchFamily="34" charset="0"/>
-              <a:cs typeface="Times New Roman" panose="02020603050405020304" pitchFamily="18" charset="0"/>
-            </a:endParaRPr>
-          </a:p>
-          <a:p>
-            <a:pPr marL="342900" lvl="0" indent="-342900" algn="just">
-              <a:lnSpc>
-                <a:spcPct val="107000"/>
-              </a:lnSpc>
-              <a:buFont typeface="+mj-lt"/>
-              <a:buAutoNum type="romanUcParenBoth"/>
-            </a:pPr>
-            <a:r>
-              <a:rPr lang="en-IN" sz="1600" dirty="0">
-                <a:solidFill>
-                  <a:srgbClr val="000000"/>
-                </a:solidFill>
-                <a:effectLst/>
-                <a:latin typeface="Times New Roman" panose="02020603050405020304" pitchFamily="18" charset="0"/>
-                <a:ea typeface="Times New Roman" panose="02020603050405020304" pitchFamily="18" charset="0"/>
-                <a:cs typeface="Times New Roman" panose="02020603050405020304" pitchFamily="18" charset="0"/>
-              </a:rPr>
-              <a:t>Riken Shah, Disha Shah, “Automatic Question Generation for Intelligent Tutoring System,” in IEEE Journal, 2017 2nd International Conference on Communication Systems, Computing, and IT Applications (CSCITA). </a:t>
-            </a:r>
-            <a:endParaRPr lang="en-IN" sz="1600" dirty="0">
-              <a:effectLst/>
-              <a:latin typeface="Calibri" panose="020F0502020204030204" pitchFamily="34" charset="0"/>
-              <a:ea typeface="Calibri" panose="020F0502020204030204" pitchFamily="34" charset="0"/>
-              <a:cs typeface="Times New Roman" panose="02020603050405020304" pitchFamily="18" charset="0"/>
-            </a:endParaRPr>
-          </a:p>
-          <a:p>
-            <a:pPr marL="342900" lvl="0" indent="-342900" algn="just">
-              <a:lnSpc>
-                <a:spcPct val="107000"/>
-              </a:lnSpc>
-              <a:buFont typeface="+mj-lt"/>
-              <a:buAutoNum type="romanUcParenBoth"/>
-            </a:pPr>
-            <a:r>
-              <a:rPr lang="en-IN" sz="1600" dirty="0" err="1">
-                <a:solidFill>
-                  <a:srgbClr val="000000"/>
-                </a:solidFill>
-                <a:effectLst/>
-                <a:latin typeface="Times New Roman" panose="02020603050405020304" pitchFamily="18" charset="0"/>
-                <a:ea typeface="Times New Roman" panose="02020603050405020304" pitchFamily="18" charset="0"/>
-                <a:cs typeface="Times New Roman" panose="02020603050405020304" pitchFamily="18" charset="0"/>
-              </a:rPr>
-              <a:t>Mushale</a:t>
-            </a:r>
-            <a:r>
-              <a:rPr lang="en-IN" sz="1600" dirty="0">
-                <a:solidFill>
-                  <a:srgbClr val="000000"/>
-                </a:solidFill>
-                <a:effectLst/>
-                <a:latin typeface="Times New Roman" panose="02020603050405020304" pitchFamily="18" charset="0"/>
-                <a:ea typeface="Times New Roman" panose="02020603050405020304" pitchFamily="18" charset="0"/>
-                <a:cs typeface="Times New Roman" panose="02020603050405020304" pitchFamily="18" charset="0"/>
-              </a:rPr>
-              <a:t> Ashish, </a:t>
-            </a:r>
-            <a:r>
-              <a:rPr lang="en-IN" sz="1600" dirty="0" err="1">
-                <a:solidFill>
-                  <a:srgbClr val="000000"/>
-                </a:solidFill>
-                <a:effectLst/>
-                <a:latin typeface="Times New Roman" panose="02020603050405020304" pitchFamily="18" charset="0"/>
-                <a:ea typeface="Times New Roman" panose="02020603050405020304" pitchFamily="18" charset="0"/>
-                <a:cs typeface="Times New Roman" panose="02020603050405020304" pitchFamily="18" charset="0"/>
-              </a:rPr>
-              <a:t>Shafali</a:t>
-            </a:r>
-            <a:r>
-              <a:rPr lang="en-IN" sz="1600" dirty="0">
-                <a:solidFill>
-                  <a:srgbClr val="000000"/>
-                </a:solidFill>
-                <a:effectLst/>
-                <a:latin typeface="Times New Roman" panose="02020603050405020304" pitchFamily="18" charset="0"/>
-                <a:ea typeface="Times New Roman" panose="02020603050405020304" pitchFamily="18" charset="0"/>
-                <a:cs typeface="Times New Roman" panose="02020603050405020304" pitchFamily="18" charset="0"/>
-              </a:rPr>
-              <a:t> Gupta, “An automatic generator of multiple-choice question with random answer key,” JETIR June 2020, Volume 7, Issue 6. </a:t>
-            </a:r>
-            <a:endParaRPr lang="en-IN" sz="1600" dirty="0">
-              <a:effectLst/>
-              <a:latin typeface="Calibri" panose="020F0502020204030204" pitchFamily="34" charset="0"/>
-              <a:ea typeface="Calibri" panose="020F0502020204030204" pitchFamily="34" charset="0"/>
-              <a:cs typeface="Times New Roman" panose="02020603050405020304" pitchFamily="18" charset="0"/>
-            </a:endParaRPr>
-          </a:p>
-          <a:p>
-            <a:pPr marL="342900" lvl="0" indent="-342900" algn="just">
-              <a:lnSpc>
-                <a:spcPct val="107000"/>
-              </a:lnSpc>
-              <a:buFont typeface="+mj-lt"/>
-              <a:buAutoNum type="romanUcParenBoth"/>
-            </a:pPr>
-            <a:r>
-              <a:rPr lang="en-IN" sz="1600" dirty="0">
-                <a:solidFill>
-                  <a:srgbClr val="000000"/>
-                </a:solidFill>
-                <a:effectLst/>
-                <a:latin typeface="Times New Roman" panose="02020603050405020304" pitchFamily="18" charset="0"/>
-                <a:ea typeface="Times New Roman" panose="02020603050405020304" pitchFamily="18" charset="0"/>
-                <a:cs typeface="Times New Roman" panose="02020603050405020304" pitchFamily="18" charset="0"/>
-              </a:rPr>
-              <a:t>M. Agarwal and P. </a:t>
-            </a:r>
-            <a:r>
-              <a:rPr lang="en-IN" sz="1600" dirty="0" err="1">
-                <a:solidFill>
-                  <a:srgbClr val="000000"/>
-                </a:solidFill>
-                <a:effectLst/>
-                <a:latin typeface="Times New Roman" panose="02020603050405020304" pitchFamily="18" charset="0"/>
-                <a:ea typeface="Times New Roman" panose="02020603050405020304" pitchFamily="18" charset="0"/>
-                <a:cs typeface="Times New Roman" panose="02020603050405020304" pitchFamily="18" charset="0"/>
-              </a:rPr>
-              <a:t>Mannem</a:t>
-            </a:r>
-            <a:r>
-              <a:rPr lang="en-IN" sz="1600" dirty="0">
-                <a:solidFill>
-                  <a:srgbClr val="000000"/>
-                </a:solidFill>
-                <a:effectLst/>
-                <a:latin typeface="Times New Roman" panose="02020603050405020304" pitchFamily="18" charset="0"/>
-                <a:ea typeface="Times New Roman" panose="02020603050405020304" pitchFamily="18" charset="0"/>
-                <a:cs typeface="Times New Roman" panose="02020603050405020304" pitchFamily="18" charset="0"/>
-              </a:rPr>
-              <a:t>, “Automatic gap-fill question generation from textbooks,” in Proceedings of the 6th Workshop on Innovative Use of NLP for Building Educational Applications, ser. IUNLPBEA ’11. Stroudsburg, PA, USA: Association for Computational Linguistics, 2011. </a:t>
-            </a:r>
-            <a:endParaRPr lang="en-IN" sz="1600" dirty="0">
-              <a:effectLst/>
-              <a:latin typeface="Calibri" panose="020F0502020204030204" pitchFamily="34" charset="0"/>
-              <a:ea typeface="Calibri" panose="020F0502020204030204" pitchFamily="34" charset="0"/>
-              <a:cs typeface="Times New Roman" panose="02020603050405020304" pitchFamily="18" charset="0"/>
-            </a:endParaRPr>
-          </a:p>
-          <a:p>
-            <a:pPr marL="342900" lvl="0" indent="-342900" algn="just">
-              <a:lnSpc>
-                <a:spcPct val="107000"/>
-              </a:lnSpc>
-              <a:spcAft>
-                <a:spcPts val="800"/>
-              </a:spcAft>
-              <a:buFont typeface="+mj-lt"/>
-              <a:buAutoNum type="romanUcParenBoth"/>
-            </a:pPr>
-            <a:r>
-              <a:rPr lang="en-IN" sz="1600" dirty="0">
-                <a:solidFill>
-                  <a:srgbClr val="000000"/>
-                </a:solidFill>
-                <a:effectLst/>
-                <a:latin typeface="Times New Roman" panose="02020603050405020304" pitchFamily="18" charset="0"/>
-                <a:ea typeface="Times New Roman" panose="02020603050405020304" pitchFamily="18" charset="0"/>
-                <a:cs typeface="Times New Roman" panose="02020603050405020304" pitchFamily="18" charset="0"/>
-              </a:rPr>
-              <a:t>Afzal, N. and </a:t>
-            </a:r>
-            <a:r>
-              <a:rPr lang="en-IN" sz="1600" dirty="0" err="1">
-                <a:solidFill>
-                  <a:srgbClr val="000000"/>
-                </a:solidFill>
-                <a:effectLst/>
-                <a:latin typeface="Times New Roman" panose="02020603050405020304" pitchFamily="18" charset="0"/>
-                <a:ea typeface="Times New Roman" panose="02020603050405020304" pitchFamily="18" charset="0"/>
-                <a:cs typeface="Times New Roman" panose="02020603050405020304" pitchFamily="18" charset="0"/>
-              </a:rPr>
-              <a:t>Mitkov</a:t>
-            </a:r>
-            <a:r>
-              <a:rPr lang="en-IN" sz="1600" dirty="0">
-                <a:solidFill>
-                  <a:srgbClr val="000000"/>
-                </a:solidFill>
-                <a:effectLst/>
-                <a:latin typeface="Times New Roman" panose="02020603050405020304" pitchFamily="18" charset="0"/>
-                <a:ea typeface="Times New Roman" panose="02020603050405020304" pitchFamily="18" charset="0"/>
-                <a:cs typeface="Times New Roman" panose="02020603050405020304" pitchFamily="18" charset="0"/>
-              </a:rPr>
-              <a:t>, R. (2014) ‘Automatic generation of multiple-choice questions using dependency-based semantic relations’, Soft Computing - A Fusion of Foundations, Methodologies and Applications. </a:t>
-            </a:r>
-            <a:endParaRPr lang="en-IN" sz="1600" dirty="0">
-              <a:effectLst/>
-              <a:latin typeface="Calibri" panose="020F0502020204030204" pitchFamily="34" charset="0"/>
-              <a:ea typeface="Calibri" panose="020F0502020204030204" pitchFamily="34" charset="0"/>
-              <a:cs typeface="Times New Roman" panose="02020603050405020304" pitchFamily="18" charset="0"/>
-            </a:endParaRPr>
+              <a:t>This paper critically examines automatic MCQ generation from text. It outlines a six-phase workflow: preprocessing, sentence selection, key identification, question formulation, distractor creation, and postprocessing. Various strategies for each phase are discussed, alongside a comparative analysis of different methods. Evaluation techniques for generated MCQs are also highlighted.</a:t>
+            </a:r>
+            <a:endParaRPr lang="en-IN" dirty="0"/>
           </a:p>
         </p:txBody>
       </p:sp>
     </p:spTree>
     <p:extLst>
       <p:ext uri="{BB962C8B-B14F-4D97-AF65-F5344CB8AC3E}">
-        <p14:creationId xmlns:p14="http://schemas.microsoft.com/office/powerpoint/2010/main" val="1973558531"/>
+        <p14:creationId xmlns:p14="http://schemas.microsoft.com/office/powerpoint/2010/main" val="2097062455"/>
       </p:ext>
     </p:extLst>
   </p:cSld>

--- a/Major Project PPT 1.0.pptx
+++ b/Major Project PPT 1.0.pptx
@@ -138,6 +138,7 @@
 <p1510:revInfo xmlns:a="http://schemas.openxmlformats.org/drawingml/2006/main" xmlns:r="http://schemas.openxmlformats.org/officeDocument/2006/relationships" xmlns:p1510="http://schemas.microsoft.com/office/powerpoint/2015/10/main">
   <p1510:revLst>
     <p1510:client id="{227E0A00-37D0-45C5-939D-F424081A67A9}" v="70" dt="2023-10-14T02:45:12.878"/>
+    <p1510:client id="{ECA96488-81A0-4AB0-9D9E-A2E934BCB649}" v="31" dt="2023-10-14T04:21:29.146"/>
   </p1510:revLst>
 </p1510:revInfo>
 </file>
@@ -13195,7 +13196,7 @@
         </p:nvSpPr>
         <p:spPr>
           <a:xfrm>
-            <a:off x="186612" y="429209"/>
+            <a:off x="-1709423" y="115444"/>
             <a:ext cx="10888824" cy="485192"/>
           </a:xfrm>
         </p:spPr>
@@ -13235,8 +13236,8 @@
         </p:nvSpPr>
         <p:spPr>
           <a:xfrm>
-            <a:off x="1301182" y="1301182"/>
-            <a:ext cx="8742487" cy="4801314"/>
+            <a:off x="-28795" y="1111002"/>
+            <a:ext cx="6914326" cy="5632311"/>
           </a:xfrm>
           <a:prstGeom prst="rect">
             <a:avLst/>
@@ -13374,6 +13375,36 @@
           </a:p>
         </p:txBody>
       </p:sp>
+      <p:pic>
+        <p:nvPicPr>
+          <p:cNvPr id="4" name="Picture 3" descr="A diagram of a algorithm&#10;&#10;Description automatically generated">
+            <a:extLst>
+              <a:ext uri="{FF2B5EF4-FFF2-40B4-BE49-F238E27FC236}">
+                <a16:creationId xmlns:a16="http://schemas.microsoft.com/office/drawing/2014/main" id="{302C8426-06C7-4F3E-AED1-911D5EB40AA2}"/>
+              </a:ext>
+            </a:extLst>
+          </p:cNvPr>
+          <p:cNvPicPr>
+            <a:picLocks noChangeAspect="1"/>
+          </p:cNvPicPr>
+          <p:nvPr/>
+        </p:nvPicPr>
+        <p:blipFill>
+          <a:blip r:embed="rId2"/>
+          <a:stretch>
+            <a:fillRect/>
+          </a:stretch>
+        </p:blipFill>
+        <p:spPr>
+          <a:xfrm>
+            <a:off x="6890657" y="118710"/>
+            <a:ext cx="5301342" cy="6435524"/>
+          </a:xfrm>
+          <a:prstGeom prst="rect">
+            <a:avLst/>
+          </a:prstGeom>
+        </p:spPr>
+      </p:pic>
     </p:spTree>
     <p:extLst>
       <p:ext uri="{BB962C8B-B14F-4D97-AF65-F5344CB8AC3E}">
@@ -13422,7 +13453,7 @@
         </p:nvSpPr>
         <p:spPr>
           <a:xfrm>
-            <a:off x="686299" y="1488236"/>
+            <a:off x="190679" y="1323030"/>
             <a:ext cx="8596668" cy="3880773"/>
           </a:xfrm>
         </p:spPr>
@@ -13575,6 +13606,36 @@
           </a:p>
         </p:txBody>
       </p:sp>
+      <p:pic>
+        <p:nvPicPr>
+          <p:cNvPr id="2" name="Picture 1" descr="A diagram of a process&#10;&#10;Description automatically generated">
+            <a:extLst>
+              <a:ext uri="{FF2B5EF4-FFF2-40B4-BE49-F238E27FC236}">
+                <a16:creationId xmlns:a16="http://schemas.microsoft.com/office/drawing/2014/main" id="{CD62B97A-6BE7-1320-8307-46F77594330B}"/>
+              </a:ext>
+            </a:extLst>
+          </p:cNvPr>
+          <p:cNvPicPr>
+            <a:picLocks noChangeAspect="1"/>
+          </p:cNvPicPr>
+          <p:nvPr/>
+        </p:nvPicPr>
+        <p:blipFill>
+          <a:blip r:embed="rId2"/>
+          <a:stretch>
+            <a:fillRect/>
+          </a:stretch>
+        </p:blipFill>
+        <p:spPr>
+          <a:xfrm>
+            <a:off x="8925113" y="664029"/>
+            <a:ext cx="2582262" cy="5529942"/>
+          </a:xfrm>
+          <a:prstGeom prst="rect">
+            <a:avLst/>
+          </a:prstGeom>
+        </p:spPr>
+      </p:pic>
     </p:spTree>
     <p:extLst>
       <p:ext uri="{BB962C8B-B14F-4D97-AF65-F5344CB8AC3E}">
